--- a/tp1/QoSI-TP1-Apresentacao-G01.pptx
+++ b/tp1/QoSI-TP1-Apresentacao-G01.pptx
@@ -2186,7 +2186,7 @@
             </a:pPr>
             <a:fld id="{00000000-1234-1234-1234-123412341234}" type="slidenum">
               <a:rPr lang="pt-PT"/>
-              <a:t>‹#›</a:t>
+              <a:t>‹nº›</a:t>
             </a:fld>
             <a:endParaRPr/>
           </a:p>
@@ -2550,7 +2550,7 @@
             </a:pPr>
             <a:fld id="{00000000-1234-1234-1234-123412341234}" type="slidenum">
               <a:rPr lang="pt-PT"/>
-              <a:t>‹#›</a:t>
+              <a:t>‹nº›</a:t>
             </a:fld>
             <a:endParaRPr/>
           </a:p>
@@ -2654,7 +2654,7 @@
             </a:pPr>
             <a:fld id="{00000000-1234-1234-1234-123412341234}" type="slidenum">
               <a:rPr lang="pt-PT"/>
-              <a:t>‹#›</a:t>
+              <a:t>‹nº›</a:t>
             </a:fld>
             <a:endParaRPr/>
           </a:p>
@@ -2887,7 +2887,7 @@
             </a:pPr>
             <a:fld id="{00000000-1234-1234-1234-123412341234}" type="slidenum">
               <a:rPr lang="pt-PT"/>
-              <a:t>‹#›</a:t>
+              <a:t>‹nº›</a:t>
             </a:fld>
             <a:endParaRPr/>
           </a:p>
@@ -3249,7 +3249,7 @@
             </a:pPr>
             <a:fld id="{00000000-1234-1234-1234-123412341234}" type="slidenum">
               <a:rPr lang="pt-PT"/>
-              <a:t>‹#›</a:t>
+              <a:t>‹nº›</a:t>
             </a:fld>
             <a:endParaRPr/>
           </a:p>
@@ -3740,7 +3740,7 @@
             </a:pPr>
             <a:fld id="{00000000-1234-1234-1234-123412341234}" type="slidenum">
               <a:rPr lang="pt-PT"/>
-              <a:t>‹#›</a:t>
+              <a:t>‹nº›</a:t>
             </a:fld>
             <a:endParaRPr/>
           </a:p>
@@ -3973,7 +3973,7 @@
             </a:pPr>
             <a:fld id="{00000000-1234-1234-1234-123412341234}" type="slidenum">
               <a:rPr lang="pt-PT"/>
-              <a:t>‹#›</a:t>
+              <a:t>‹nº›</a:t>
             </a:fld>
             <a:endParaRPr/>
           </a:p>
@@ -4335,7 +4335,7 @@
             </a:pPr>
             <a:fld id="{00000000-1234-1234-1234-123412341234}" type="slidenum">
               <a:rPr lang="pt-PT"/>
-              <a:t>‹#›</a:t>
+              <a:t>‹nº›</a:t>
             </a:fld>
             <a:endParaRPr/>
           </a:p>
@@ -4568,7 +4568,7 @@
             </a:pPr>
             <a:fld id="{00000000-1234-1234-1234-123412341234}" type="slidenum">
               <a:rPr lang="pt-PT"/>
-              <a:t>‹#›</a:t>
+              <a:t>‹nº›</a:t>
             </a:fld>
             <a:endParaRPr/>
           </a:p>
@@ -5126,7 +5126,7 @@
             </a:pPr>
             <a:fld id="{00000000-1234-1234-1234-123412341234}" type="slidenum">
               <a:rPr lang="pt-PT"/>
-              <a:t>‹#›</a:t>
+              <a:t>‹nº›</a:t>
             </a:fld>
             <a:endParaRPr/>
           </a:p>
@@ -5274,7 +5274,7 @@
             </a:pPr>
             <a:fld id="{00000000-1234-1234-1234-123412341234}" type="slidenum">
               <a:rPr lang="pt-PT"/>
-              <a:t>‹#›</a:t>
+              <a:t>‹nº›</a:t>
             </a:fld>
             <a:endParaRPr/>
           </a:p>
@@ -5845,7 +5845,7 @@
             </a:pPr>
             <a:fld id="{00000000-1234-1234-1234-123412341234}" type="slidenum">
               <a:rPr lang="pt-PT"/>
-              <a:t>‹#›</a:t>
+              <a:t>‹nº›</a:t>
             </a:fld>
             <a:endParaRPr/>
           </a:p>
@@ -8903,7 +8903,9 @@
               <a:buChar char="●"/>
             </a:pPr>
             <a:r>
-              <a:rPr lang="pt-PT" sz="1700" dirty="0"/>
+              <a:rPr lang="pt-PT" dirty="0">
+                <a:latin typeface="+mn-lt"/>
+              </a:rPr>
               <a:t>Latência</a:t>
             </a:r>
           </a:p>
@@ -8912,23 +8914,25 @@
               <a:buSzPts val="1700"/>
             </a:pPr>
             <a:r>
-              <a:rPr lang="pt-PT" sz="1700" dirty="0"/>
+              <a:rPr lang="pt-PT" sz="1600" dirty="0">
+                <a:latin typeface="+mn-lt"/>
+              </a:rPr>
               <a:t>RTT médio </a:t>
             </a:r>
             <a:r>
-              <a:rPr lang="en-GB" dirty="0">
-                <a:latin typeface="WHDNLP_txsys"/>
+              <a:rPr lang="en-GB" sz="1600" dirty="0">
+                <a:latin typeface="+mn-lt"/>
               </a:rPr>
               <a:t>[46,52] </a:t>
             </a:r>
             <a:r>
-              <a:rPr lang="en-GB" dirty="0" err="1">
-                <a:latin typeface="WHDNLP_txsys"/>
+              <a:rPr lang="en-GB" sz="1600" dirty="0" err="1">
+                <a:latin typeface="+mn-lt"/>
               </a:rPr>
               <a:t>ms</a:t>
             </a:r>
-            <a:endParaRPr lang="en-GB" dirty="0">
-              <a:latin typeface="WHDNLP_txsys"/>
+            <a:endParaRPr lang="en-GB" sz="1600" dirty="0">
+              <a:latin typeface="+mn-lt"/>
             </a:endParaRPr>
           </a:p>
           <a:p>
@@ -8936,15 +8940,13 @@
               <a:buSzPts val="1700"/>
             </a:pPr>
             <a:r>
-              <a:rPr lang="pt-PT" sz="1600" dirty="0"/>
-              <a:t>RTT mínimo 20.5 </a:t>
-            </a:r>
-            <a:r>
-              <a:rPr lang="pt-PT" sz="1600" dirty="0" err="1"/>
-              <a:t>ms</a:t>
+              <a:rPr lang="pt-PT" sz="1600" dirty="0">
+                <a:latin typeface="+mn-lt"/>
+              </a:rPr>
+              <a:t>RTT mínimo 20.5 ms</a:t>
             </a:r>
             <a:endParaRPr lang="en-GB" sz="1600" dirty="0">
-              <a:latin typeface="WHDNLP_txsys"/>
+              <a:latin typeface="+mn-lt"/>
             </a:endParaRPr>
           </a:p>
         </p:txBody>
